--- a/sessions/session-06/slides.pptx
+++ b/sessions/session-06/slides.pptx
@@ -3379,7 +3379,7 @@
               <a:buNone/>
             </a:pPr>
             <a:r>
-              <a:rPr lang="en-US" sz="2000" b="1" dirty="0">
+              <a:rPr lang="en-US" sz="1800" b="1" dirty="0">
                 <a:solidFill>
                   <a:srgbClr val="1E5128"/>
                 </a:solidFill>
@@ -3389,6 +3389,9 @@
               </a:rPr>
               <a:t>A good template has three parts:</a:t>
             </a:r>
+            <a:endParaRPr lang="en-US" sz="1800" dirty="0"/>
+          </a:p>
+          <a:p>
             <a:pPr indent="0" marL="0">
               <a:lnSpc>
                 <a:spcPct val="120000"/>
@@ -3398,6 +3401,9 @@
               </a:spcBef>
               <a:buNone/>
             </a:pPr>
+            <a:endParaRPr lang="en-US" sz="1800" dirty="0"/>
+          </a:p>
+          <a:p>
             <a:pPr indent="0" marL="0">
               <a:lnSpc>
                 <a:spcPct val="120000"/>
@@ -3408,7 +3414,7 @@
               <a:buNone/>
             </a:pPr>
             <a:r>
-              <a:rPr lang="en-US" sz="1800" dirty="0">
+              <a:rPr lang="en-US" sz="1400" dirty="0">
                 <a:solidFill>
                   <a:srgbClr val="2C2C2C"/>
                 </a:solidFill>
@@ -3416,8 +3422,11 @@
                 <a:ea typeface="Arial" pitchFamily="34" charset="-122"/>
                 <a:cs typeface="Arial" pitchFamily="34" charset="-120"/>
               </a:rPr>
-              <a:t>1.  Title format — A structure like: "Equipment Issue: [Name] — [Problem]"</a:t>
-            </a:r>
+              <a:t>1.  Title format — e.g., "Equipment Issue: [Name] — [Problem]"</a:t>
+            </a:r>
+            <a:endParaRPr lang="en-US" sz="1800" dirty="0"/>
+          </a:p>
+          <a:p>
             <a:pPr indent="0" marL="0">
               <a:lnSpc>
                 <a:spcPct val="120000"/>
@@ -3427,6 +3436,9 @@
               </a:spcBef>
               <a:buNone/>
             </a:pPr>
+            <a:endParaRPr lang="en-US" sz="1800" dirty="0"/>
+          </a:p>
+          <a:p>
             <a:pPr indent="0" marL="0">
               <a:lnSpc>
                 <a:spcPct val="120000"/>
@@ -3437,7 +3449,7 @@
               <a:buNone/>
             </a:pPr>
             <a:r>
-              <a:rPr lang="en-US" sz="1800" dirty="0">
+              <a:rPr lang="en-US" sz="1400" dirty="0">
                 <a:solidFill>
                   <a:srgbClr val="2C2C2C"/>
                 </a:solidFill>
@@ -3445,8 +3457,11 @@
                 <a:ea typeface="Arial" pitchFamily="34" charset="-122"/>
                 <a:cs typeface="Arial" pitchFamily="34" charset="-120"/>
               </a:rPr>
-              <a:t>2.  Guided sections — Prompts that tell the person what to write:</a:t>
-            </a:r>
+              <a:t>2.  Guided sections — Prompts: What happened? Where? How urgent?</a:t>
+            </a:r>
+            <a:endParaRPr lang="en-US" sz="1800" dirty="0"/>
+          </a:p>
+          <a:p>
             <a:pPr indent="0" marL="0">
               <a:lnSpc>
                 <a:spcPct val="120000"/>
@@ -3456,17 +3471,9 @@
               </a:spcBef>
               <a:buNone/>
             </a:pPr>
-            <a:r>
-              <a:rPr lang="en-US" sz="1600" dirty="0">
-                <a:solidFill>
-                  <a:srgbClr val="4E9F3D"/>
-                </a:solidFill>
-                <a:latin typeface="Arial" pitchFamily="34" charset="0"/>
-                <a:ea typeface="Arial" pitchFamily="34" charset="-122"/>
-                <a:cs typeface="Arial" pitchFamily="34" charset="-120"/>
-              </a:rPr>
-              <a:t>     What happened?  •  Where?  •  How urgent?  •  What's been tried?</a:t>
-            </a:r>
+            <a:endParaRPr lang="en-US" sz="1800" dirty="0"/>
+          </a:p>
+          <a:p>
             <a:pPr indent="0" marL="0">
               <a:lnSpc>
                 <a:spcPct val="120000"/>
@@ -3476,6 +3483,20 @@
               </a:spcBef>
               <a:buNone/>
             </a:pPr>
+            <a:r>
+              <a:rPr lang="en-US" sz="1400" dirty="0">
+                <a:solidFill>
+                  <a:srgbClr val="2C2C2C"/>
+                </a:solidFill>
+                <a:latin typeface="Arial" pitchFamily="34" charset="0"/>
+                <a:ea typeface="Arial" pitchFamily="34" charset="-122"/>
+                <a:cs typeface="Arial" pitchFamily="34" charset="-120"/>
+              </a:rPr>
+              <a:t>3.  Checklist — ☐ Photos attached  ☐ Parts identified  ☐ Assigned</a:t>
+            </a:r>
+            <a:endParaRPr lang="en-US" sz="1800" dirty="0"/>
+          </a:p>
+          <a:p>
             <a:pPr indent="0" marL="0">
               <a:lnSpc>
                 <a:spcPct val="120000"/>
@@ -3485,17 +3506,9 @@
               </a:spcBef>
               <a:buNone/>
             </a:pPr>
-            <a:r>
-              <a:rPr lang="en-US" sz="1800" dirty="0">
-                <a:solidFill>
-                  <a:srgbClr val="2C2C2C"/>
-                </a:solidFill>
-                <a:latin typeface="Arial" pitchFamily="34" charset="0"/>
-                <a:ea typeface="Arial" pitchFamily="34" charset="-122"/>
-                <a:cs typeface="Arial" pitchFamily="34" charset="-120"/>
-              </a:rPr>
-              <a:t>3.  Checklist — Steps to complete:</a:t>
-            </a:r>
+            <a:endParaRPr lang="en-US" sz="1800" dirty="0"/>
+          </a:p>
+          <a:p>
             <a:pPr indent="0" marL="0">
               <a:lnSpc>
                 <a:spcPct val="120000"/>
@@ -3506,16 +3519,19 @@
               <a:buNone/>
             </a:pPr>
             <a:r>
-              <a:rPr lang="en-US" sz="1600" dirty="0">
-                <a:solidFill>
-                  <a:srgbClr val="4E9F3D"/>
-                </a:solidFill>
-                <a:latin typeface="Arial" pitchFamily="34" charset="0"/>
-                <a:ea typeface="Arial" pitchFamily="34" charset="-122"/>
-                <a:cs typeface="Arial" pitchFamily="34" charset="-120"/>
-              </a:rPr>
-              <a:t>     ☐ Photos attached  ☐ Parts needed identified  ☐ Assigned to someone</a:t>
-            </a:r>
+              <a:rPr lang="en-US" sz="1300" i="1" dirty="0">
+                <a:solidFill>
+                  <a:srgbClr val="1E5128"/>
+                </a:solidFill>
+                <a:latin typeface="Arial" pitchFamily="34" charset="0"/>
+                <a:ea typeface="Arial" pitchFamily="34" charset="-122"/>
+                <a:cs typeface="Arial" pitchFamily="34" charset="-120"/>
+              </a:rPr>
+              <a:t>Tip: Write your template as if explaining to someone new on the farm.</a:t>
+            </a:r>
+            <a:endParaRPr lang="en-US" sz="1800" dirty="0"/>
+          </a:p>
+          <a:p>
             <a:pPr indent="0" marL="0">
               <a:lnSpc>
                 <a:spcPct val="120000"/>
@@ -3525,17 +3541,8 @@
               </a:spcBef>
               <a:buNone/>
             </a:pPr>
-            <a:pPr indent="0" marL="0">
-              <a:lnSpc>
-                <a:spcPct val="120000"/>
-              </a:lnSpc>
-              <a:spcBef>
-                <a:spcPts val="400"/>
-              </a:spcBef>
-              <a:buNone/>
-            </a:pPr>
-            <a:r>
-              <a:rPr lang="en-US" sz="1600" i="1" dirty="0">
+            <a:r>
+              <a:rPr lang="en-US" sz="1300" i="1" dirty="0">
                 <a:solidFill>
                   <a:srgbClr val="1E5128"/>
                 </a:solidFill>
@@ -3543,7 +3550,7 @@
                 <a:ea typeface="Arial" pitchFamily="34" charset="-122"/>
                 <a:cs typeface="Arial" pitchFamily="34" charset="-120"/>
               </a:rPr>
-              <a:t>Tip: Write your template as if you're explaining to someone who just started working on the farm. What information would they need to give you?</a:t>
+              <a:t>What information would they need to give you?</a:t>
             </a:r>
             <a:endParaRPr lang="en-US" sz="1800" dirty="0"/>
           </a:p>
@@ -3774,7 +3781,7 @@
         <p:spPr>
           <a:xfrm>
             <a:off x="640080" y="1463040"/>
-            <a:ext cx="7863840" cy="3108960"/>
+            <a:ext cx="7863840" cy="3017520"/>
           </a:xfrm>
           <a:prstGeom prst="rect">
             <a:avLst/>
@@ -3790,7 +3797,7 @@
               <a:buNone/>
             </a:pPr>
             <a:r>
-              <a:rPr lang="en-US" sz="1400" b="1" dirty="0">
+              <a:rPr lang="en-US" sz="1200" b="1" dirty="0">
                 <a:solidFill>
                   <a:srgbClr val="1E5128"/>
                 </a:solidFill>
@@ -3805,7 +3812,7 @@
               <a:buNone/>
             </a:pPr>
             <a:r>
-              <a:rPr lang="en-US" sz="1200" dirty="0">
+              <a:rPr lang="en-US" sz="1000" dirty="0">
                 <a:solidFill>
                   <a:srgbClr val="2C2C2C"/>
                 </a:solidFill>
@@ -3822,7 +3829,7 @@
               <a:buNone/>
             </a:pPr>
             <a:r>
-              <a:rPr lang="en-US" sz="1400" b="1" dirty="0">
+              <a:rPr lang="en-US" sz="1200" b="1" dirty="0">
                 <a:solidFill>
                   <a:srgbClr val="1E5128"/>
                 </a:solidFill>
@@ -3837,7 +3844,7 @@
               <a:buNone/>
             </a:pPr>
             <a:r>
-              <a:rPr lang="en-US" sz="1200" dirty="0">
+              <a:rPr lang="en-US" sz="1000" dirty="0">
                 <a:solidFill>
                   <a:srgbClr val="888888"/>
                 </a:solidFill>
@@ -3852,7 +3859,7 @@
               <a:buNone/>
             </a:pPr>
             <a:r>
-              <a:rPr lang="en-US" sz="1400" b="1" dirty="0">
+              <a:rPr lang="en-US" sz="1200" b="1" dirty="0">
                 <a:solidFill>
                   <a:srgbClr val="1E5128"/>
                 </a:solidFill>
@@ -3867,7 +3874,7 @@
               <a:buNone/>
             </a:pPr>
             <a:r>
-              <a:rPr lang="en-US" sz="1200" dirty="0">
+              <a:rPr lang="en-US" sz="1000" dirty="0">
                 <a:solidFill>
                   <a:srgbClr val="2C2C2C"/>
                 </a:solidFill>
@@ -3882,7 +3889,7 @@
               <a:buNone/>
             </a:pPr>
             <a:r>
-              <a:rPr lang="en-US" sz="1400" b="1" dirty="0">
+              <a:rPr lang="en-US" sz="1200" b="1" dirty="0">
                 <a:solidFill>
                   <a:srgbClr val="1E5128"/>
                 </a:solidFill>
@@ -3897,7 +3904,7 @@
               <a:buNone/>
             </a:pPr>
             <a:r>
-              <a:rPr lang="en-US" sz="1200" dirty="0">
+              <a:rPr lang="en-US" sz="1000" dirty="0">
                 <a:solidFill>
                   <a:srgbClr val="2C2C2C"/>
                 </a:solidFill>
@@ -3905,9 +3912,26 @@
                 <a:ea typeface="Courier New" pitchFamily="34" charset="-122"/>
                 <a:cs typeface="Courier New" pitchFamily="34" charset="-120"/>
               </a:rPr>
-              <a:t>☐ Photo attached  ☐ Service manual consulted  ☐ Parts identified  ☐ Repair completed  ☐ Post-repair test done</a:t>
-            </a:r>
-            <a:endParaRPr lang="en-US" sz="1400" dirty="0"/>
+              <a:t>☐ Photo attached  ☐ Service manual consulted  ☐ Parts identified</a:t>
+            </a:r>
+            <a:endParaRPr lang="en-US" sz="1200" dirty="0"/>
+          </a:p>
+          <a:p>
+            <a:pPr indent="0" marL="0">
+              <a:buNone/>
+            </a:pPr>
+            <a:r>
+              <a:rPr lang="en-US" sz="1000" dirty="0">
+                <a:solidFill>
+                  <a:srgbClr val="2C2C2C"/>
+                </a:solidFill>
+                <a:latin typeface="Courier New" pitchFamily="34" charset="0"/>
+                <a:ea typeface="Courier New" pitchFamily="34" charset="-122"/>
+                <a:cs typeface="Courier New" pitchFamily="34" charset="-120"/>
+              </a:rPr>
+              <a:t>☐ Repair completed  ☐ Post-repair test done</a:t>
+            </a:r>
+            <a:endParaRPr lang="en-US" sz="1200" dirty="0"/>
           </a:p>
         </p:txBody>
       </p:sp>
@@ -4136,7 +4160,7 @@
         <p:spPr>
           <a:xfrm>
             <a:off x="640080" y="1463040"/>
-            <a:ext cx="7863840" cy="3108960"/>
+            <a:ext cx="7863840" cy="3017520"/>
           </a:xfrm>
           <a:prstGeom prst="rect">
             <a:avLst/>
@@ -4152,7 +4176,7 @@
               <a:buNone/>
             </a:pPr>
             <a:r>
-              <a:rPr lang="en-US" sz="1400" b="1" dirty="0">
+              <a:rPr lang="en-US" sz="1200" b="1" dirty="0">
                 <a:solidFill>
                   <a:srgbClr val="1E5128"/>
                 </a:solidFill>
@@ -4167,7 +4191,7 @@
               <a:buNone/>
             </a:pPr>
             <a:r>
-              <a:rPr lang="en-US" sz="1200" dirty="0">
+              <a:rPr lang="en-US" sz="1000" dirty="0">
                 <a:solidFill>
                   <a:srgbClr val="2C2C2C"/>
                 </a:solidFill>
@@ -4184,7 +4208,7 @@
               <a:buNone/>
             </a:pPr>
             <a:r>
-              <a:rPr lang="en-US" sz="1400" b="1" dirty="0">
+              <a:rPr lang="en-US" sz="1200" b="1" dirty="0">
                 <a:solidFill>
                   <a:srgbClr val="1E5128"/>
                 </a:solidFill>
@@ -4199,7 +4223,7 @@
               <a:buNone/>
             </a:pPr>
             <a:r>
-              <a:rPr lang="en-US" sz="1200" dirty="0">
+              <a:rPr lang="en-US" sz="1000" dirty="0">
                 <a:solidFill>
                   <a:srgbClr val="888888"/>
                 </a:solidFill>
@@ -4214,7 +4238,7 @@
               <a:buNone/>
             </a:pPr>
             <a:r>
-              <a:rPr lang="en-US" sz="1400" b="1" dirty="0">
+              <a:rPr lang="en-US" sz="1200" b="1" dirty="0">
                 <a:solidFill>
                   <a:srgbClr val="1E5128"/>
                 </a:solidFill>
@@ -4229,7 +4253,7 @@
               <a:buNone/>
             </a:pPr>
             <a:r>
-              <a:rPr lang="en-US" sz="1200" dirty="0">
+              <a:rPr lang="en-US" sz="1000" dirty="0">
                 <a:solidFill>
                   <a:srgbClr val="888888"/>
                 </a:solidFill>
@@ -4244,7 +4268,7 @@
               <a:buNone/>
             </a:pPr>
             <a:r>
-              <a:rPr lang="en-US" sz="1400" b="1" dirty="0">
+              <a:rPr lang="en-US" sz="1200" b="1" dirty="0">
                 <a:solidFill>
                   <a:srgbClr val="1E5128"/>
                 </a:solidFill>
@@ -4259,7 +4283,7 @@
               <a:buNone/>
             </a:pPr>
             <a:r>
-              <a:rPr lang="en-US" sz="1200" dirty="0">
+              <a:rPr lang="en-US" sz="1000" dirty="0">
                 <a:solidFill>
                   <a:srgbClr val="2C2C2C"/>
                 </a:solidFill>
@@ -4274,7 +4298,7 @@
               <a:buNone/>
             </a:pPr>
             <a:r>
-              <a:rPr lang="en-US" sz="1400" b="1" dirty="0">
+              <a:rPr lang="en-US" sz="1200" b="1" dirty="0">
                 <a:solidFill>
                   <a:srgbClr val="1E5128"/>
                 </a:solidFill>
@@ -4289,7 +4313,7 @@
               <a:buNone/>
             </a:pPr>
             <a:r>
-              <a:rPr lang="en-US" sz="1200" dirty="0">
+              <a:rPr lang="en-US" sz="1000" dirty="0">
                 <a:solidFill>
                   <a:srgbClr val="888888"/>
                 </a:solidFill>
@@ -4299,7 +4323,7 @@
               </a:rPr>
               <a:t>[Your best guess or observations / Steps already taken]</a:t>
             </a:r>
-            <a:endParaRPr lang="en-US" sz="1400" dirty="0"/>
+            <a:endParaRPr lang="en-US" sz="1200" dirty="0"/>
           </a:p>
         </p:txBody>
       </p:sp>
@@ -4518,12 +4542,12 @@
                 <a:spcPct val="120000"/>
               </a:lnSpc>
               <a:spcBef>
-                <a:spcPts val="800"/>
+                <a:spcPts val="400"/>
               </a:spcBef>
               <a:buNone/>
             </a:pPr>
             <a:r>
-              <a:rPr lang="en-US" sz="1800" dirty="0">
+              <a:rPr lang="en-US" sz="1400" dirty="0">
                 <a:solidFill>
                   <a:srgbClr val="2C2C2C"/>
                 </a:solidFill>
@@ -4533,6 +4557,9 @@
               </a:rPr>
               <a:t>If you find yourself typing the same comment over and over, save it as a Saved Reply.</a:t>
             </a:r>
+            <a:endParaRPr lang="en-US" sz="1800" dirty="0"/>
+          </a:p>
+          <a:p>
             <a:pPr indent="0" marL="0">
               <a:lnSpc>
                 <a:spcPct val="120000"/>
@@ -4542,6 +4569,9 @@
               </a:spcBef>
               <a:buNone/>
             </a:pPr>
+            <a:endParaRPr lang="en-US" sz="1800" dirty="0"/>
+          </a:p>
+          <a:p>
             <a:pPr indent="0" marL="0">
               <a:lnSpc>
                 <a:spcPct val="120000"/>
@@ -4552,7 +4582,7 @@
               <a:buNone/>
             </a:pPr>
             <a:r>
-              <a:rPr lang="en-US" sz="1800" b="1" dirty="0">
+              <a:rPr lang="en-US" sz="1400" b="1" dirty="0">
                 <a:solidFill>
                   <a:srgbClr val="1E5128"/>
                 </a:solidFill>
@@ -4576,7 +4606,7 @@
               <a:buChar char="•"/>
             </a:pPr>
             <a:r>
-              <a:rPr lang="en-US" sz="1600" dirty="0">
+              <a:rPr lang="en-US" sz="1300" dirty="0">
                 <a:solidFill>
                   <a:srgbClr val="2C2C2C"/>
                 </a:solidFill>
@@ -4600,7 +4630,7 @@
               <a:buChar char="•"/>
             </a:pPr>
             <a:r>
-              <a:rPr lang="en-US" sz="1600" dirty="0">
+              <a:rPr lang="en-US" sz="1300" dirty="0">
                 <a:solidFill>
                   <a:srgbClr val="2C2C2C"/>
                 </a:solidFill>
@@ -4624,7 +4654,7 @@
               <a:buChar char="•"/>
             </a:pPr>
             <a:r>
-              <a:rPr lang="en-US" sz="1600" dirty="0">
+              <a:rPr lang="en-US" sz="1300" dirty="0">
                 <a:solidFill>
                   <a:srgbClr val="2C2C2C"/>
                 </a:solidFill>
@@ -4648,7 +4678,7 @@
               <a:buChar char="•"/>
             </a:pPr>
             <a:r>
-              <a:rPr lang="en-US" sz="1600" dirty="0">
+              <a:rPr lang="en-US" sz="1300" dirty="0">
                 <a:solidFill>
                   <a:srgbClr val="2C2C2C"/>
                 </a:solidFill>
@@ -4658,6 +4688,9 @@
               </a:rPr>
               <a:t>"Thank you for reporting this. I'll check on it today."</a:t>
             </a:r>
+            <a:endParaRPr lang="en-US" sz="1800" dirty="0"/>
+          </a:p>
+          <a:p>
             <a:pPr indent="0" marL="0">
               <a:lnSpc>
                 <a:spcPct val="120000"/>
@@ -4667,6 +4700,9 @@
               </a:spcBef>
               <a:buNone/>
             </a:pPr>
+            <a:endParaRPr lang="en-US" sz="1800" dirty="0"/>
+          </a:p>
+          <a:p>
             <a:pPr indent="0" marL="0">
               <a:lnSpc>
                 <a:spcPct val="120000"/>
@@ -4677,7 +4713,7 @@
               <a:buNone/>
             </a:pPr>
             <a:r>
-              <a:rPr lang="en-US" sz="1600" i="1" dirty="0">
+              <a:rPr lang="en-US" sz="1200" i="1" dirty="0">
                 <a:solidFill>
                   <a:srgbClr val="1E5128"/>
                 </a:solidFill>
@@ -4872,7 +4908,7 @@
               <a:buNone/>
             </a:pPr>
             <a:r>
-              <a:rPr lang="en-US" sz="2000" b="1" dirty="0">
+              <a:rPr lang="en-US" sz="1600" b="1" dirty="0">
                 <a:solidFill>
                   <a:srgbClr val="1E5128"/>
                 </a:solidFill>
@@ -4882,6 +4918,9 @@
               </a:rPr>
               <a:t>How to create a Saved Reply:</a:t>
             </a:r>
+            <a:endParaRPr lang="en-US" sz="1800" dirty="0"/>
+          </a:p>
+          <a:p>
             <a:pPr indent="0" marL="0">
               <a:lnSpc>
                 <a:spcPct val="120000"/>
@@ -4891,6 +4930,9 @@
               </a:spcBef>
               <a:buNone/>
             </a:pPr>
+            <a:endParaRPr lang="en-US" sz="1800" dirty="0"/>
+          </a:p>
+          <a:p>
             <a:pPr indent="0" marL="0">
               <a:lnSpc>
                 <a:spcPct val="120000"/>
@@ -4901,7 +4943,7 @@
               <a:buNone/>
             </a:pPr>
             <a:r>
-              <a:rPr lang="en-US" sz="1800" dirty="0">
+              <a:rPr lang="en-US" sz="1400" dirty="0">
                 <a:solidFill>
                   <a:srgbClr val="2C2C2C"/>
                 </a:solidFill>
@@ -4911,6 +4953,9 @@
               </a:rPr>
               <a:t>1.  Click your profile icon (top right) → "Settings"</a:t>
             </a:r>
+            <a:endParaRPr lang="en-US" sz="1800" dirty="0"/>
+          </a:p>
+          <a:p>
             <a:pPr indent="0" marL="0">
               <a:lnSpc>
                 <a:spcPct val="120000"/>
@@ -4921,7 +4966,7 @@
               <a:buNone/>
             </a:pPr>
             <a:r>
-              <a:rPr lang="en-US" sz="1800" dirty="0">
+              <a:rPr lang="en-US" sz="1400" dirty="0">
                 <a:solidFill>
                   <a:srgbClr val="2C2C2C"/>
                 </a:solidFill>
@@ -4931,6 +4976,9 @@
               </a:rPr>
               <a:t>2.  Click "Saved replies" (left menu, under "Code, planning, and automation")</a:t>
             </a:r>
+            <a:endParaRPr lang="en-US" sz="1800" dirty="0"/>
+          </a:p>
+          <a:p>
             <a:pPr indent="0" marL="0">
               <a:lnSpc>
                 <a:spcPct val="120000"/>
@@ -4941,7 +4989,7 @@
               <a:buNone/>
             </a:pPr>
             <a:r>
-              <a:rPr lang="en-US" sz="1800" dirty="0">
+              <a:rPr lang="en-US" sz="1400" dirty="0">
                 <a:solidFill>
                   <a:srgbClr val="2C2C2C"/>
                 </a:solidFill>
@@ -4951,6 +4999,9 @@
               </a:rPr>
               <a:t>3.  Click "Add a saved reply"</a:t>
             </a:r>
+            <a:endParaRPr lang="en-US" sz="1800" dirty="0"/>
+          </a:p>
+          <a:p>
             <a:pPr indent="0" marL="0">
               <a:lnSpc>
                 <a:spcPct val="120000"/>
@@ -4961,7 +5012,7 @@
               <a:buNone/>
             </a:pPr>
             <a:r>
-              <a:rPr lang="en-US" sz="1800" dirty="0">
+              <a:rPr lang="en-US" sz="1400" dirty="0">
                 <a:solidFill>
                   <a:srgbClr val="2C2C2C"/>
                 </a:solidFill>
@@ -4971,6 +5022,9 @@
               </a:rPr>
               <a:t>4.  Give it a title (e.g., "Parts ordered")</a:t>
             </a:r>
+            <a:endParaRPr lang="en-US" sz="1800" dirty="0"/>
+          </a:p>
+          <a:p>
             <a:pPr indent="0" marL="0">
               <a:lnSpc>
                 <a:spcPct val="120000"/>
@@ -4981,7 +5035,7 @@
               <a:buNone/>
             </a:pPr>
             <a:r>
-              <a:rPr lang="en-US" sz="1800" dirty="0">
+              <a:rPr lang="en-US" sz="1400" dirty="0">
                 <a:solidFill>
                   <a:srgbClr val="2C2C2C"/>
                 </a:solidFill>
@@ -4991,6 +5045,9 @@
               </a:rPr>
               <a:t>5.  Write the reply text</a:t>
             </a:r>
+            <a:endParaRPr lang="en-US" sz="1800" dirty="0"/>
+          </a:p>
+          <a:p>
             <a:pPr indent="0" marL="0">
               <a:lnSpc>
                 <a:spcPct val="120000"/>
@@ -5001,7 +5058,7 @@
               <a:buNone/>
             </a:pPr>
             <a:r>
-              <a:rPr lang="en-US" sz="1800" dirty="0">
+              <a:rPr lang="en-US" sz="1400" dirty="0">
                 <a:solidFill>
                   <a:srgbClr val="2C2C2C"/>
                 </a:solidFill>
@@ -5011,6 +5068,9 @@
               </a:rPr>
               <a:t>6.  Click "Add saved reply"</a:t>
             </a:r>
+            <a:endParaRPr lang="en-US" sz="1800" dirty="0"/>
+          </a:p>
+          <a:p>
             <a:pPr indent="0" marL="0">
               <a:lnSpc>
                 <a:spcPct val="120000"/>
@@ -5020,6 +5080,9 @@
               </a:spcBef>
               <a:buNone/>
             </a:pPr>
+            <a:endParaRPr lang="en-US" sz="1800" dirty="0"/>
+          </a:p>
+          <a:p>
             <a:pPr indent="0" marL="0">
               <a:lnSpc>
                 <a:spcPct val="120000"/>
@@ -5030,7 +5093,7 @@
               <a:buNone/>
             </a:pPr>
             <a:r>
-              <a:rPr lang="en-US" sz="1600" b="1" dirty="0">
+              <a:rPr lang="en-US" sz="1300" b="1" dirty="0">
                 <a:solidFill>
                   <a:srgbClr val="1E5128"/>
                 </a:solidFill>
@@ -5225,7 +5288,7 @@
               <a:buNone/>
             </a:pPr>
             <a:r>
-              <a:rPr lang="en-US" sz="1800" dirty="0">
+              <a:rPr lang="en-US" sz="1400" dirty="0">
                 <a:solidFill>
                   <a:srgbClr val="2C2C2C"/>
                 </a:solidFill>
@@ -5235,6 +5298,9 @@
               </a:rPr>
               <a:t>GitHub also has Project Templates — pre-built planning boards.</a:t>
             </a:r>
+            <a:endParaRPr lang="en-US" sz="1800" dirty="0"/>
+          </a:p>
+          <a:p>
             <a:pPr indent="0" marL="0">
               <a:lnSpc>
                 <a:spcPct val="120000"/>
@@ -5244,6 +5310,9 @@
               </a:spcBef>
               <a:buNone/>
             </a:pPr>
+            <a:endParaRPr lang="en-US" sz="1800" dirty="0"/>
+          </a:p>
+          <a:p>
             <a:pPr indent="0" marL="0">
               <a:lnSpc>
                 <a:spcPct val="120000"/>
@@ -5254,7 +5323,7 @@
               <a:buNone/>
             </a:pPr>
             <a:r>
-              <a:rPr lang="en-US" sz="1800" dirty="0">
+              <a:rPr lang="en-US" sz="1400" dirty="0">
                 <a:solidFill>
                   <a:srgbClr val="2C2C2C"/>
                 </a:solidFill>
@@ -5278,7 +5347,7 @@
               <a:buChar char="•"/>
             </a:pPr>
             <a:r>
-              <a:rPr lang="en-US" sz="1800" dirty="0">
+              <a:rPr lang="en-US" sz="1400" dirty="0">
                 <a:solidFill>
                   <a:srgbClr val="2C2C2C"/>
                 </a:solidFill>
@@ -5302,7 +5371,7 @@
               <a:buChar char="•"/>
             </a:pPr>
             <a:r>
-              <a:rPr lang="en-US" sz="1800" dirty="0">
+              <a:rPr lang="en-US" sz="1400" dirty="0">
                 <a:solidFill>
                   <a:srgbClr val="2C2C2C"/>
                 </a:solidFill>
@@ -5326,7 +5395,7 @@
               <a:buChar char="•"/>
             </a:pPr>
             <a:r>
-              <a:rPr lang="en-US" sz="1800" dirty="0">
+              <a:rPr lang="en-US" sz="1400" dirty="0">
                 <a:solidFill>
                   <a:srgbClr val="2C2C2C"/>
                 </a:solidFill>
@@ -5336,6 +5405,9 @@
               </a:rPr>
               <a:t>Roadmap — Timeline-based planning</a:t>
             </a:r>
+            <a:endParaRPr lang="en-US" sz="1800" dirty="0"/>
+          </a:p>
+          <a:p>
             <a:pPr indent="0" marL="0">
               <a:lnSpc>
                 <a:spcPct val="120000"/>
@@ -5345,6 +5417,9 @@
               </a:spcBef>
               <a:buNone/>
             </a:pPr>
+            <a:endParaRPr lang="en-US" sz="1800" dirty="0"/>
+          </a:p>
+          <a:p>
             <a:pPr indent="0" marL="0">
               <a:lnSpc>
                 <a:spcPct val="120000"/>
@@ -5355,7 +5430,7 @@
               <a:buNone/>
             </a:pPr>
             <a:r>
-              <a:rPr lang="en-US" sz="1800" dirty="0">
+              <a:rPr lang="en-US" sz="1400" dirty="0">
                 <a:solidFill>
                   <a:srgbClr val="2C2C2C"/>
                 </a:solidFill>
@@ -5365,6 +5440,9 @@
               </a:rPr>
               <a:t>You can also copy an existing Project to reuse your own custom board setup.</a:t>
             </a:r>
+            <a:endParaRPr lang="en-US" sz="1800" dirty="0"/>
+          </a:p>
+          <a:p>
             <a:pPr indent="0" marL="0">
               <a:lnSpc>
                 <a:spcPct val="120000"/>
@@ -5374,6 +5452,9 @@
               </a:spcBef>
               <a:buNone/>
             </a:pPr>
+            <a:endParaRPr lang="en-US" sz="1800" dirty="0"/>
+          </a:p>
+          <a:p>
             <a:pPr indent="0" marL="0">
               <a:lnSpc>
                 <a:spcPct val="120000"/>
@@ -5384,7 +5465,7 @@
               <a:buNone/>
             </a:pPr>
             <a:r>
-              <a:rPr lang="en-US" sz="1800" b="1" dirty="0">
+              <a:rPr lang="en-US" sz="1400" b="1" dirty="0">
                 <a:solidFill>
                   <a:srgbClr val="1E5128"/>
                 </a:solidFill>
@@ -6961,8 +7042,8 @@
         </p:nvSpPr>
         <p:spPr>
           <a:xfrm>
-            <a:off x="731520" y="2103120"/>
-            <a:ext cx="7680960" cy="2560320"/>
+            <a:off x="731520" y="2011680"/>
+            <a:ext cx="7680960" cy="2743200"/>
           </a:xfrm>
           <a:prstGeom prst="rect">
             <a:avLst/>
@@ -6978,7 +7059,7 @@
               <a:buNone/>
             </a:pPr>
             <a:r>
-              <a:rPr lang="en-US" sz="2000" dirty="0">
+              <a:rPr lang="en-US" sz="1800" dirty="0">
                 <a:solidFill>
                   <a:srgbClr val="F4F1DE"/>
                 </a:solidFill>
@@ -6991,20 +7072,20 @@
             <a:pPr indent="0" marL="0">
               <a:buNone/>
             </a:pPr>
-            <a:endParaRPr lang="en-US" sz="2000" dirty="0"/>
-          </a:p>
-          <a:p>
-            <a:pPr indent="0" marL="0">
-              <a:buNone/>
-            </a:pPr>
-            <a:endParaRPr lang="en-US" sz="2000" dirty="0"/>
-          </a:p>
-          <a:p>
-            <a:pPr indent="0" marL="0">
-              <a:buNone/>
-            </a:pPr>
-            <a:r>
-              <a:rPr lang="en-US" sz="1800" dirty="0">
+            <a:endParaRPr lang="en-US" sz="1800" dirty="0"/>
+          </a:p>
+          <a:p>
+            <a:pPr indent="0" marL="0">
+              <a:buNone/>
+            </a:pPr>
+            <a:endParaRPr lang="en-US" sz="1800" dirty="0"/>
+          </a:p>
+          <a:p>
+            <a:pPr indent="0" marL="0">
+              <a:buNone/>
+            </a:pPr>
+            <a:r>
+              <a:rPr lang="en-US" sz="1600" dirty="0">
                 <a:solidFill>
                   <a:srgbClr val="F4F1DE"/>
                 </a:solidFill>
@@ -7014,26 +7095,26 @@
               </a:rPr>
               <a:t>I'll walk through each step. Follow along on your screen.</a:t>
             </a:r>
-            <a:endParaRPr lang="en-US" sz="2000" dirty="0"/>
-          </a:p>
-          <a:p>
-            <a:pPr indent="0" marL="0">
-              <a:buNone/>
-            </a:pPr>
-            <a:endParaRPr lang="en-US" sz="2000" dirty="0"/>
-          </a:p>
-          <a:p>
-            <a:pPr indent="0" marL="0">
-              <a:buNone/>
-            </a:pPr>
-            <a:endParaRPr lang="en-US" sz="2000" dirty="0"/>
-          </a:p>
-          <a:p>
-            <a:pPr indent="0" marL="0">
-              <a:buNone/>
-            </a:pPr>
-            <a:r>
-              <a:rPr lang="en-US" sz="1800" dirty="0">
+            <a:endParaRPr lang="en-US" sz="1800" dirty="0"/>
+          </a:p>
+          <a:p>
+            <a:pPr indent="0" marL="0">
+              <a:buNone/>
+            </a:pPr>
+            <a:endParaRPr lang="en-US" sz="1800" dirty="0"/>
+          </a:p>
+          <a:p>
+            <a:pPr indent="0" marL="0">
+              <a:buNone/>
+            </a:pPr>
+            <a:endParaRPr lang="en-US" sz="1800" dirty="0"/>
+          </a:p>
+          <a:p>
+            <a:pPr indent="0" marL="0">
+              <a:buNone/>
+            </a:pPr>
+            <a:r>
+              <a:rPr lang="en-US" sz="1600" dirty="0">
                 <a:solidFill>
                   <a:srgbClr val="F4F1DE"/>
                 </a:solidFill>
@@ -7043,20 +7124,20 @@
               </a:rPr>
               <a:t>If you get stuck:</a:t>
             </a:r>
-            <a:endParaRPr lang="en-US" sz="2000" dirty="0"/>
-          </a:p>
-          <a:p>
-            <a:pPr indent="0" marL="0">
-              <a:buNone/>
-            </a:pPr>
-            <a:endParaRPr lang="en-US" sz="2000" dirty="0"/>
-          </a:p>
-          <a:p>
-            <a:pPr indent="0" marL="0">
-              <a:buNone/>
-            </a:pPr>
-            <a:r>
-              <a:rPr lang="en-US" sz="1800" dirty="0">
+            <a:endParaRPr lang="en-US" sz="1800" dirty="0"/>
+          </a:p>
+          <a:p>
+            <a:pPr indent="0" marL="0">
+              <a:buNone/>
+            </a:pPr>
+            <a:endParaRPr lang="en-US" sz="1800" dirty="0"/>
+          </a:p>
+          <a:p>
+            <a:pPr indent="0" marL="0">
+              <a:buNone/>
+            </a:pPr>
+            <a:r>
+              <a:rPr lang="en-US" sz="1600" dirty="0">
                 <a:solidFill>
                   <a:srgbClr val="F4F1DE"/>
                 </a:solidFill>
@@ -7066,20 +7147,20 @@
               </a:rPr>
               <a:t>1.  Ask your partner</a:t>
             </a:r>
-            <a:endParaRPr lang="en-US" sz="2000" dirty="0"/>
-          </a:p>
-          <a:p>
-            <a:pPr indent="0" marL="0">
-              <a:buNone/>
-            </a:pPr>
-            <a:endParaRPr lang="en-US" sz="2000" dirty="0"/>
-          </a:p>
-          <a:p>
-            <a:pPr indent="0" marL="0">
-              <a:buNone/>
-            </a:pPr>
-            <a:r>
-              <a:rPr lang="en-US" sz="1800" dirty="0">
+            <a:endParaRPr lang="en-US" sz="1800" dirty="0"/>
+          </a:p>
+          <a:p>
+            <a:pPr indent="0" marL="0">
+              <a:buNone/>
+            </a:pPr>
+            <a:endParaRPr lang="en-US" sz="1800" dirty="0"/>
+          </a:p>
+          <a:p>
+            <a:pPr indent="0" marL="0">
+              <a:buNone/>
+            </a:pPr>
+            <a:r>
+              <a:rPr lang="en-US" sz="1600" dirty="0">
                 <a:solidFill>
                   <a:srgbClr val="F4F1DE"/>
                 </a:solidFill>
@@ -7089,26 +7170,26 @@
               </a:rPr>
               <a:t>2.  Raise your hand</a:t>
             </a:r>
-            <a:endParaRPr lang="en-US" sz="2000" dirty="0"/>
-          </a:p>
-          <a:p>
-            <a:pPr indent="0" marL="0">
-              <a:buNone/>
-            </a:pPr>
-            <a:endParaRPr lang="en-US" sz="2000" dirty="0"/>
-          </a:p>
-          <a:p>
-            <a:pPr indent="0" marL="0">
-              <a:buNone/>
-            </a:pPr>
-            <a:endParaRPr lang="en-US" sz="2000" dirty="0"/>
-          </a:p>
-          <a:p>
-            <a:pPr indent="0" marL="0">
-              <a:buNone/>
-            </a:pPr>
-            <a:r>
-              <a:rPr lang="en-US" sz="1800" b="1" i="1" dirty="0">
+            <a:endParaRPr lang="en-US" sz="1800" dirty="0"/>
+          </a:p>
+          <a:p>
+            <a:pPr indent="0" marL="0">
+              <a:buNone/>
+            </a:pPr>
+            <a:endParaRPr lang="en-US" sz="1800" dirty="0"/>
+          </a:p>
+          <a:p>
+            <a:pPr indent="0" marL="0">
+              <a:buNone/>
+            </a:pPr>
+            <a:endParaRPr lang="en-US" sz="1800" dirty="0"/>
+          </a:p>
+          <a:p>
+            <a:pPr indent="0" marL="0">
+              <a:buNone/>
+            </a:pPr>
+            <a:r>
+              <a:rPr lang="en-US" sz="1600" b="1" i="1" dirty="0">
                 <a:solidFill>
                   <a:srgbClr val="4E9F3D"/>
                 </a:solidFill>
@@ -7118,7 +7199,7 @@
               </a:rPr>
               <a:t>You can always edit or delete a template later — so don't worry about getting it perfect.</a:t>
             </a:r>
-            <a:endParaRPr lang="en-US" sz="2000" dirty="0"/>
+            <a:endParaRPr lang="en-US" sz="1800" dirty="0"/>
           </a:p>
         </p:txBody>
       </p:sp>
@@ -7274,6 +7355,9 @@
               </a:rPr>
               <a:t>Follow along with me:</a:t>
             </a:r>
+            <a:endParaRPr lang="en-US" sz="1800" dirty="0"/>
+          </a:p>
+          <a:p>
             <a:pPr indent="0" marL="0">
               <a:lnSpc>
                 <a:spcPct val="120000"/>
@@ -7283,6 +7367,9 @@
               </a:spcBef>
               <a:buNone/>
             </a:pPr>
+            <a:endParaRPr lang="en-US" sz="1800" dirty="0"/>
+          </a:p>
+          <a:p>
             <a:pPr indent="0" marL="0">
               <a:lnSpc>
                 <a:spcPct val="120000"/>
@@ -7293,7 +7380,7 @@
               <a:buNone/>
             </a:pPr>
             <a:r>
-              <a:rPr lang="en-US" sz="1600" dirty="0">
+              <a:rPr lang="en-US" sz="1400" dirty="0">
                 <a:solidFill>
                   <a:srgbClr val="2C2C2C"/>
                 </a:solidFill>
@@ -7303,6 +7390,9 @@
               </a:rPr>
               <a:t>1.  Go to your own repository (you need to be the owner)</a:t>
             </a:r>
+            <a:endParaRPr lang="en-US" sz="1800" dirty="0"/>
+          </a:p>
+          <a:p>
             <a:pPr indent="0" marL="0">
               <a:lnSpc>
                 <a:spcPct val="120000"/>
@@ -7313,7 +7403,7 @@
               <a:buNone/>
             </a:pPr>
             <a:r>
-              <a:rPr lang="en-US" sz="1600" dirty="0">
+              <a:rPr lang="en-US" sz="1400" dirty="0">
                 <a:solidFill>
                   <a:srgbClr val="2C2C2C"/>
                 </a:solidFill>
@@ -7323,6 +7413,9 @@
               </a:rPr>
               <a:t>2.  Click "Settings"</a:t>
             </a:r>
+            <a:endParaRPr lang="en-US" sz="1800" dirty="0"/>
+          </a:p>
+          <a:p>
             <a:pPr indent="0" marL="0">
               <a:lnSpc>
                 <a:spcPct val="120000"/>
@@ -7333,7 +7426,7 @@
               <a:buNone/>
             </a:pPr>
             <a:r>
-              <a:rPr lang="en-US" sz="1600" dirty="0">
+              <a:rPr lang="en-US" sz="1400" dirty="0">
                 <a:solidFill>
                   <a:srgbClr val="2C2C2C"/>
                 </a:solidFill>
@@ -7343,6 +7436,9 @@
               </a:rPr>
               <a:t>3.  Scroll to "Features" → next to Issues, click "Set up templates"</a:t>
             </a:r>
+            <a:endParaRPr lang="en-US" sz="1800" dirty="0"/>
+          </a:p>
+          <a:p>
             <a:pPr indent="0" marL="0">
               <a:lnSpc>
                 <a:spcPct val="120000"/>
@@ -7353,7 +7449,7 @@
               <a:buNone/>
             </a:pPr>
             <a:r>
-              <a:rPr lang="en-US" sz="1600" dirty="0">
+              <a:rPr lang="en-US" sz="1400" dirty="0">
                 <a:solidFill>
                   <a:srgbClr val="2C2C2C"/>
                 </a:solidFill>
@@ -7363,6 +7459,9 @@
               </a:rPr>
               <a:t>4.  Click "Add template" → choose "Custom template"</a:t>
             </a:r>
+            <a:endParaRPr lang="en-US" sz="1800" dirty="0"/>
+          </a:p>
+          <a:p>
             <a:pPr indent="0" marL="0">
               <a:lnSpc>
                 <a:spcPct val="120000"/>
@@ -7373,7 +7472,7 @@
               <a:buNone/>
             </a:pPr>
             <a:r>
-              <a:rPr lang="en-US" sz="1600" dirty="0">
+              <a:rPr lang="en-US" sz="1400" dirty="0">
                 <a:solidFill>
                   <a:srgbClr val="2C2C2C"/>
                 </a:solidFill>
@@ -7383,6 +7482,9 @@
               </a:rPr>
               <a:t>5.  Fill in:</a:t>
             </a:r>
+            <a:endParaRPr lang="en-US" sz="1800" dirty="0"/>
+          </a:p>
+          <a:p>
             <a:pPr indent="0" marL="0">
               <a:lnSpc>
                 <a:spcPct val="120000"/>
@@ -7393,7 +7495,7 @@
               <a:buNone/>
             </a:pPr>
             <a:r>
-              <a:rPr lang="en-US" sz="1400" dirty="0">
+              <a:rPr lang="en-US" sz="1200" dirty="0">
                 <a:solidFill>
                   <a:srgbClr val="4E9F3D"/>
                 </a:solidFill>
@@ -7403,6 +7505,9 @@
               </a:rPr>
               <a:t>     Name: "Equipment Maintenance Request"</a:t>
             </a:r>
+            <a:endParaRPr lang="en-US" sz="1800" dirty="0"/>
+          </a:p>
+          <a:p>
             <a:pPr indent="0" marL="0">
               <a:lnSpc>
                 <a:spcPct val="120000"/>
@@ -7413,7 +7518,7 @@
               <a:buNone/>
             </a:pPr>
             <a:r>
-              <a:rPr lang="en-US" sz="1400" dirty="0">
+              <a:rPr lang="en-US" sz="1200" dirty="0">
                 <a:solidFill>
                   <a:srgbClr val="4E9F3D"/>
                 </a:solidFill>
@@ -7423,6 +7528,9 @@
               </a:rPr>
               <a:t>     About: "Use this template to report equipment issues"</a:t>
             </a:r>
+            <a:endParaRPr lang="en-US" sz="1800" dirty="0"/>
+          </a:p>
+          <a:p>
             <a:pPr indent="0" marL="0">
               <a:lnSpc>
                 <a:spcPct val="120000"/>
@@ -7433,7 +7541,7 @@
               <a:buNone/>
             </a:pPr>
             <a:r>
-              <a:rPr lang="en-US" sz="1400" dirty="0">
+              <a:rPr lang="en-US" sz="1200" dirty="0">
                 <a:solidFill>
                   <a:srgbClr val="4E9F3D"/>
                 </a:solidFill>
@@ -7443,6 +7551,9 @@
               </a:rPr>
               <a:t>     Content: Copy from your handout (or write your own)</a:t>
             </a:r>
+            <a:endParaRPr lang="en-US" sz="1800" dirty="0"/>
+          </a:p>
+          <a:p>
             <a:pPr indent="0" marL="0">
               <a:lnSpc>
                 <a:spcPct val="120000"/>
@@ -7453,7 +7564,7 @@
               <a:buNone/>
             </a:pPr>
             <a:r>
-              <a:rPr lang="en-US" sz="1600" dirty="0">
+              <a:rPr lang="en-US" sz="1400" dirty="0">
                 <a:solidFill>
                   <a:srgbClr val="2C2C2C"/>
                 </a:solidFill>
@@ -7463,6 +7574,9 @@
               </a:rPr>
               <a:t>6.  Click "Propose changes"</a:t>
             </a:r>
+            <a:endParaRPr lang="en-US" sz="1800" dirty="0"/>
+          </a:p>
+          <a:p>
             <a:pPr indent="0" marL="0">
               <a:lnSpc>
                 <a:spcPct val="120000"/>
@@ -7473,7 +7587,7 @@
               <a:buNone/>
             </a:pPr>
             <a:r>
-              <a:rPr lang="en-US" sz="1600" dirty="0">
+              <a:rPr lang="en-US" sz="1400" dirty="0">
                 <a:solidFill>
                   <a:srgbClr val="2C2C2C"/>
                 </a:solidFill>
@@ -7483,6 +7597,9 @@
               </a:rPr>
               <a:t>7.  Click "Commit changes"</a:t>
             </a:r>
+            <a:endParaRPr lang="en-US" sz="1800" dirty="0"/>
+          </a:p>
+          <a:p>
             <a:pPr indent="0" marL="0">
               <a:lnSpc>
                 <a:spcPct val="120000"/>
@@ -7492,6 +7609,9 @@
               </a:spcBef>
               <a:buNone/>
             </a:pPr>
+            <a:endParaRPr lang="en-US" sz="1800" dirty="0"/>
+          </a:p>
+          <a:p>
             <a:pPr indent="0" marL="0">
               <a:lnSpc>
                 <a:spcPct val="120000"/>
@@ -7502,7 +7622,7 @@
               <a:buNone/>
             </a:pPr>
             <a:r>
-              <a:rPr lang="en-US" sz="1600" b="1" dirty="0">
+              <a:rPr lang="en-US" sz="1400" b="1" dirty="0">
                 <a:solidFill>
                   <a:srgbClr val="1E5128"/>
                 </a:solidFill>
@@ -7827,6 +7947,9 @@
               </a:rPr>
               <a:t>Stay connected with notifications and @mentions (Session 5)</a:t>
             </a:r>
+            <a:endParaRPr lang="en-US" sz="1800" dirty="0"/>
+          </a:p>
+          <a:p>
             <a:pPr indent="0" marL="0">
               <a:lnSpc>
                 <a:spcPct val="120000"/>
@@ -7836,6 +7959,9 @@
               </a:spcBef>
               <a:buNone/>
             </a:pPr>
+            <a:endParaRPr lang="en-US" sz="1800" dirty="0"/>
+          </a:p>
+          <a:p>
             <a:pPr indent="0" marL="0">
               <a:lnSpc>
                 <a:spcPct val="120000"/>
@@ -8207,11 +8333,11 @@
         <p:spPr>
           <a:xfrm>
             <a:off x="274320" y="1417320"/>
-            <a:ext cx="4114800" cy="2286000"/>
+            <a:ext cx="4114800" cy="2103120"/>
           </a:xfrm>
           <a:prstGeom prst="rect">
             <a:avLst>
-              <a:gd name="adj" fmla="val 2000"/>
+              <a:gd name="adj" fmla="val 2174"/>
             </a:avLst>
           </a:prstGeom>
           <a:solidFill>
@@ -8275,7 +8401,7 @@
         <p:spPr>
           <a:xfrm>
             <a:off x="457200" y="1828800"/>
-            <a:ext cx="3749040" cy="1737360"/>
+            <a:ext cx="3749040" cy="1554480"/>
           </a:xfrm>
           <a:prstGeom prst="rect">
             <a:avLst/>
@@ -8660,14 +8786,36 @@
       </p:sp>
       <p:sp>
         <p:nvSpPr>
-          <p:cNvPr id="15" name="Text 13"/>
+          <p:cNvPr id="15" name="Shape 13"/>
           <p:cNvSpPr/>
           <p:nvPr/>
         </p:nvSpPr>
         <p:spPr>
           <a:xfrm>
-            <a:off x="457200" y="3931920"/>
-            <a:ext cx="8229600" cy="365760"/>
+            <a:off x="274320" y="3703320"/>
+            <a:ext cx="8595360" cy="411480"/>
+          </a:xfrm>
+          <a:prstGeom prst="rect">
+            <a:avLst>
+              <a:gd name="adj" fmla="val 11111"/>
+            </a:avLst>
+          </a:prstGeom>
+          <a:solidFill>
+            <a:srgbClr val="1E5128"/>
+          </a:solidFill>
+          <a:ln/>
+        </p:spPr>
+      </p:sp>
+      <p:sp>
+        <p:nvSpPr>
+          <p:cNvPr id="16" name="Text 14"/>
+          <p:cNvSpPr/>
+          <p:nvPr/>
+        </p:nvSpPr>
+        <p:spPr>
+          <a:xfrm>
+            <a:off x="457200" y="3703320"/>
+            <a:ext cx="8229600" cy="411480"/>
           </a:xfrm>
           <a:prstGeom prst="rect">
             <a:avLst/>
@@ -8683,23 +8831,23 @@
               <a:buNone/>
             </a:pPr>
             <a:r>
-              <a:rPr lang="en-US" sz="1300" b="1" dirty="0">
-                <a:solidFill>
-                  <a:srgbClr val="1E5128"/>
-                </a:solidFill>
-                <a:latin typeface="Arial" pitchFamily="34" charset="0"/>
-                <a:ea typeface="Arial" pitchFamily="34" charset="-122"/>
-                <a:cs typeface="Arial" pitchFamily="34" charset="-120"/>
-              </a:rPr>
-              <a:t>Success: ☐ 2+ Issue Templates  ☐ Guided sections &amp; checklists  ☐ 2+ Saved Replies  ☐ Tested a template</a:t>
-            </a:r>
-            <a:endParaRPr lang="en-US" sz="1300" dirty="0"/>
+              <a:rPr lang="en-US" sz="1200" b="1" dirty="0">
+                <a:solidFill>
+                  <a:srgbClr val="FFFFFF"/>
+                </a:solidFill>
+                <a:latin typeface="Arial" pitchFamily="34" charset="0"/>
+                <a:ea typeface="Arial" pitchFamily="34" charset="-122"/>
+                <a:cs typeface="Arial" pitchFamily="34" charset="-120"/>
+              </a:rPr>
+              <a:t>Success:  ☐ 2+ Issue Templates   ☐ Guided sections &amp; checklists   ☐ 2+ Saved Replies   ☐ Tested a template</a:t>
+            </a:r>
+            <a:endParaRPr lang="en-US" sz="1200" dirty="0"/>
           </a:p>
         </p:txBody>
       </p:sp>
       <p:sp>
         <p:nvSpPr>
-          <p:cNvPr id="16" name="Text 14"/>
+          <p:cNvPr id="17" name="Text 15"/>
           <p:cNvSpPr/>
           <p:nvPr/>
         </p:nvSpPr>
@@ -10808,6 +10956,9 @@
               </a:rPr>
               <a:t>Who else on your farm would benefit from having templates?</a:t>
             </a:r>
+            <a:endParaRPr lang="en-US" sz="1800" dirty="0"/>
+          </a:p>
+          <a:p>
             <a:pPr indent="0" marL="0">
               <a:lnSpc>
                 <a:spcPct val="120000"/>
@@ -10817,6 +10968,9 @@
               </a:spcBef>
               <a:buNone/>
             </a:pPr>
+            <a:endParaRPr lang="en-US" sz="1800" dirty="0"/>
+          </a:p>
+          <a:p>
             <a:pPr indent="0" marL="0">
               <a:lnSpc>
                 <a:spcPct val="120000"/>
@@ -10837,6 +10991,9 @@
               </a:rPr>
               <a:t>Turn to your partner and share your answers. (3 minutes)</a:t>
             </a:r>
+            <a:endParaRPr lang="en-US" sz="1800" dirty="0"/>
+          </a:p>
+          <a:p>
             <a:pPr indent="0" marL="0">
               <a:lnSpc>
                 <a:spcPct val="120000"/>
@@ -10846,6 +11003,9 @@
               </a:spcBef>
               <a:buNone/>
             </a:pPr>
+            <a:endParaRPr lang="en-US" sz="1800" dirty="0"/>
+          </a:p>
+          <a:p>
             <a:pPr indent="0" marL="0">
               <a:lnSpc>
                 <a:spcPct val="120000"/>
@@ -11085,12 +11245,12 @@
                 <a:spcPct val="120000"/>
               </a:lnSpc>
               <a:spcBef>
-                <a:spcPts val="800"/>
+                <a:spcPts val="400"/>
               </a:spcBef>
               <a:buNone/>
             </a:pPr>
             <a:r>
-              <a:rPr lang="en-US" sz="1800" dirty="0">
+              <a:rPr lang="en-US" sz="1400" dirty="0">
                 <a:solidFill>
                   <a:srgbClr val="2C2C2C"/>
                 </a:solidFill>
@@ -11100,6 +11260,9 @@
               </a:rPr>
               <a:t>Next time, you'll learn how GitHub can automatically do things for you — like sending a reminder when an equipment check is due, or notifying the team when a task is overdue. No coding required!</a:t>
             </a:r>
+            <a:endParaRPr lang="en-US" sz="1800" dirty="0"/>
+          </a:p>
+          <a:p>
             <a:pPr indent="0" marL="0">
               <a:lnSpc>
                 <a:spcPct val="120000"/>
@@ -11109,6 +11272,9 @@
               </a:spcBef>
               <a:buNone/>
             </a:pPr>
+            <a:endParaRPr lang="en-US" sz="1800" dirty="0"/>
+          </a:p>
+          <a:p>
             <a:pPr indent="0" marL="0">
               <a:lnSpc>
                 <a:spcPct val="120000"/>
@@ -11119,7 +11285,7 @@
               <a:buNone/>
             </a:pPr>
             <a:r>
-              <a:rPr lang="en-US" sz="1800" b="1" dirty="0">
+              <a:rPr lang="en-US" sz="1400" b="1" dirty="0">
                 <a:solidFill>
                   <a:srgbClr val="1E5128"/>
                 </a:solidFill>
@@ -11143,7 +11309,7 @@
               <a:buChar char="•"/>
             </a:pPr>
             <a:r>
-              <a:rPr lang="en-US" sz="1800" dirty="0">
+              <a:rPr lang="en-US" sz="1400" dirty="0">
                 <a:solidFill>
                   <a:srgbClr val="2C2C2C"/>
                 </a:solidFill>
@@ -11167,7 +11333,7 @@
               <a:buChar char="•"/>
             </a:pPr>
             <a:r>
-              <a:rPr lang="en-US" sz="1800" dirty="0">
+              <a:rPr lang="en-US" sz="1400" dirty="0">
                 <a:solidFill>
                   <a:srgbClr val="2C2C2C"/>
                 </a:solidFill>
@@ -11191,7 +11357,7 @@
               <a:buChar char="•"/>
             </a:pPr>
             <a:r>
-              <a:rPr lang="en-US" sz="1800" dirty="0">
+              <a:rPr lang="en-US" sz="1400" dirty="0">
                 <a:solidFill>
                   <a:srgbClr val="2C2C2C"/>
                 </a:solidFill>
@@ -11215,7 +11381,7 @@
               <a:buChar char="•"/>
             </a:pPr>
             <a:r>
-              <a:rPr lang="en-US" sz="1800" dirty="0">
+              <a:rPr lang="en-US" sz="1400" dirty="0">
                 <a:solidFill>
                   <a:srgbClr val="2C2C2C"/>
                 </a:solidFill>
@@ -11758,6 +11924,9 @@
               </a:rPr>
               <a:t>Veterinary visit reports?</a:t>
             </a:r>
+            <a:endParaRPr lang="en-US" sz="1800" dirty="0"/>
+          </a:p>
+          <a:p>
             <a:pPr indent="0" marL="0">
               <a:lnSpc>
                 <a:spcPct val="120000"/>
@@ -11767,6 +11936,9 @@
               </a:spcBef>
               <a:buNone/>
             </a:pPr>
+            <a:endParaRPr lang="en-US" sz="1800" dirty="0"/>
+          </a:p>
+          <a:p>
             <a:pPr indent="0" marL="0">
               <a:lnSpc>
                 <a:spcPct val="120000"/>
@@ -12118,6 +12290,9 @@
               </a:rPr>
               <a:t>You wish you had a standard form for common requests</a:t>
             </a:r>
+            <a:endParaRPr lang="en-US" sz="1800" dirty="0"/>
+          </a:p>
+          <a:p>
             <a:pPr indent="0" marL="0">
               <a:lnSpc>
                 <a:spcPct val="120000"/>
@@ -12127,6 +12302,9 @@
               </a:spcBef>
               <a:buNone/>
             </a:pPr>
+            <a:endParaRPr lang="en-US" sz="1800" dirty="0"/>
+          </a:p>
+          <a:p>
             <a:pPr indent="0" marL="0">
               <a:lnSpc>
                 <a:spcPct val="120000"/>
@@ -12371,7 +12549,7 @@
               <a:buNone/>
             </a:pPr>
             <a:r>
-              <a:rPr lang="en-US" sz="1800" dirty="0">
+              <a:rPr lang="en-US" sz="1600" dirty="0">
                 <a:solidFill>
                   <a:srgbClr val="2C2C2C"/>
                 </a:solidFill>
@@ -12381,6 +12559,9 @@
               </a:rPr>
               <a:t>An Issue Template is a form that pre-fills parts of a new Issue for you.</a:t>
             </a:r>
+            <a:endParaRPr lang="en-US" sz="1800" dirty="0"/>
+          </a:p>
+          <a:p>
             <a:pPr indent="0" marL="0">
               <a:lnSpc>
                 <a:spcPct val="120000"/>
@@ -12390,6 +12571,9 @@
               </a:spcBef>
               <a:buNone/>
             </a:pPr>
+            <a:endParaRPr lang="en-US" sz="1800" dirty="0"/>
+          </a:p>
+          <a:p>
             <a:pPr indent="0" marL="0">
               <a:lnSpc>
                 <a:spcPct val="120000"/>
@@ -12400,7 +12584,7 @@
               <a:buNone/>
             </a:pPr>
             <a:r>
-              <a:rPr lang="en-US" sz="1800" dirty="0">
+              <a:rPr lang="en-US" sz="1600" dirty="0">
                 <a:solidFill>
                   <a:srgbClr val="2C2C2C"/>
                 </a:solidFill>
@@ -12424,7 +12608,7 @@
               <a:buChar char="•"/>
             </a:pPr>
             <a:r>
-              <a:rPr lang="en-US" sz="1800" dirty="0">
+              <a:rPr lang="en-US" sz="1600" dirty="0">
                 <a:solidFill>
                   <a:srgbClr val="2C2C2C"/>
                 </a:solidFill>
@@ -12448,7 +12632,7 @@
               <a:buChar char="•"/>
             </a:pPr>
             <a:r>
-              <a:rPr lang="en-US" sz="1800" dirty="0">
+              <a:rPr lang="en-US" sz="1600" dirty="0">
                 <a:solidFill>
                   <a:srgbClr val="2C2C2C"/>
                 </a:solidFill>
@@ -12472,7 +12656,7 @@
               <a:buChar char="•"/>
             </a:pPr>
             <a:r>
-              <a:rPr lang="en-US" sz="1800" dirty="0">
+              <a:rPr lang="en-US" sz="1600" dirty="0">
                 <a:solidFill>
                   <a:srgbClr val="2C2C2C"/>
                 </a:solidFill>
@@ -12496,7 +12680,7 @@
               <a:buChar char="•"/>
             </a:pPr>
             <a:r>
-              <a:rPr lang="en-US" sz="1800" dirty="0">
+              <a:rPr lang="en-US" sz="1600" dirty="0">
                 <a:solidFill>
                   <a:srgbClr val="2C2C2C"/>
                 </a:solidFill>
@@ -12506,6 +12690,9 @@
               </a:rPr>
               <a:t>Labels automatically applied</a:t>
             </a:r>
+            <a:endParaRPr lang="en-US" sz="1800" dirty="0"/>
+          </a:p>
+          <a:p>
             <a:pPr indent="0" marL="0">
               <a:lnSpc>
                 <a:spcPct val="120000"/>
@@ -12515,6 +12702,9 @@
               </a:spcBef>
               <a:buNone/>
             </a:pPr>
+            <a:endParaRPr lang="en-US" sz="1800" dirty="0"/>
+          </a:p>
+          <a:p>
             <a:pPr indent="0" marL="0">
               <a:lnSpc>
                 <a:spcPct val="120000"/>
@@ -12525,7 +12715,7 @@
               <a:buNone/>
             </a:pPr>
             <a:r>
-              <a:rPr lang="en-US" sz="1600" i="1" dirty="0">
+              <a:rPr lang="en-US" sz="1400" i="1" dirty="0">
                 <a:solidFill>
                   <a:srgbClr val="1E5128"/>
                 </a:solidFill>
@@ -14404,6 +14594,9 @@
               </a:rPr>
               <a:t>When someone creates a new Issue in a repository with templates, they see a choice:</a:t>
             </a:r>
+            <a:endParaRPr lang="en-US" sz="1800" dirty="0"/>
+          </a:p>
+          <a:p>
             <a:pPr indent="0" marL="0">
               <a:lnSpc>
                 <a:spcPct val="120000"/>
@@ -14413,6 +14606,9 @@
               </a:spcBef>
               <a:buNone/>
             </a:pPr>
+            <a:endParaRPr lang="en-US" sz="1800" dirty="0"/>
+          </a:p>
+          <a:p>
             <a:pPr indent="0" marL="0">
               <a:lnSpc>
                 <a:spcPct val="120000"/>
@@ -14529,6 +14725,9 @@
               </a:rPr>
               <a:t>"General Task"</a:t>
             </a:r>
+            <a:endParaRPr lang="en-US" sz="1800" dirty="0"/>
+          </a:p>
+          <a:p>
             <a:pPr indent="0" marL="0">
               <a:lnSpc>
                 <a:spcPct val="120000"/>
@@ -14538,6 +14737,9 @@
               </a:spcBef>
               <a:buNone/>
             </a:pPr>
+            <a:endParaRPr lang="en-US" sz="1800" dirty="0"/>
+          </a:p>
+          <a:p>
             <a:pPr indent="0" marL="0">
               <a:lnSpc>
                 <a:spcPct val="120000"/>
@@ -14558,6 +14760,9 @@
               </a:rPr>
               <a:t>They pick the one that fits, and the form appears with sections ready to fill in.</a:t>
             </a:r>
+            <a:endParaRPr lang="en-US" sz="1800" dirty="0"/>
+          </a:p>
+          <a:p>
             <a:pPr indent="0" marL="0">
               <a:lnSpc>
                 <a:spcPct val="120000"/>
@@ -14567,6 +14772,9 @@
               </a:spcBef>
               <a:buNone/>
             </a:pPr>
+            <a:endParaRPr lang="en-US" sz="1800" dirty="0"/>
+          </a:p>
+          <a:p>
             <a:pPr indent="0" marL="0">
               <a:lnSpc>
                 <a:spcPct val="120000"/>
@@ -14782,6 +14990,9 @@
               </a:rPr>
               <a:t>How to create an Issue Template:</a:t>
             </a:r>
+            <a:endParaRPr lang="en-US" sz="1800" dirty="0"/>
+          </a:p>
+          <a:p>
             <a:pPr indent="0" marL="0">
               <a:lnSpc>
                 <a:spcPct val="120000"/>
@@ -14791,6 +15002,9 @@
               </a:spcBef>
               <a:buNone/>
             </a:pPr>
+            <a:endParaRPr lang="en-US" sz="1800" dirty="0"/>
+          </a:p>
+          <a:p>
             <a:pPr indent="0" marL="0">
               <a:lnSpc>
                 <a:spcPct val="120000"/>
@@ -14811,6 +15025,9 @@
               </a:rPr>
               <a:t>1.  Go to your repository</a:t>
             </a:r>
+            <a:endParaRPr lang="en-US" sz="1800" dirty="0"/>
+          </a:p>
+          <a:p>
             <a:pPr indent="0" marL="0">
               <a:lnSpc>
                 <a:spcPct val="120000"/>
@@ -14831,6 +15048,9 @@
               </a:rPr>
               <a:t>2.  Click "Settings" (you need to be the repository owner)</a:t>
             </a:r>
+            <a:endParaRPr lang="en-US" sz="1800" dirty="0"/>
+          </a:p>
+          <a:p>
             <a:pPr indent="0" marL="0">
               <a:lnSpc>
                 <a:spcPct val="120000"/>
@@ -14851,6 +15071,9 @@
               </a:rPr>
               <a:t>3.  Scroll down to "Features" section</a:t>
             </a:r>
+            <a:endParaRPr lang="en-US" sz="1800" dirty="0"/>
+          </a:p>
+          <a:p>
             <a:pPr indent="0" marL="0">
               <a:lnSpc>
                 <a:spcPct val="120000"/>
@@ -14871,6 +15094,9 @@
               </a:rPr>
               <a:t>4.  Next to Issues, click "Set up templates"</a:t>
             </a:r>
+            <a:endParaRPr lang="en-US" sz="1800" dirty="0"/>
+          </a:p>
+          <a:p>
             <a:pPr indent="0" marL="0">
               <a:lnSpc>
                 <a:spcPct val="120000"/>
@@ -14891,6 +15117,9 @@
               </a:rPr>
               <a:t>5.  Click "Add template" and choose a starter:</a:t>
             </a:r>
+            <a:endParaRPr lang="en-US" sz="1800" dirty="0"/>
+          </a:p>
+          <a:p>
             <a:pPr indent="0" marL="0">
               <a:lnSpc>
                 <a:spcPct val="120000"/>
@@ -14911,6 +15140,9 @@
               </a:rPr>
               <a:t>     Bug report — Feature request — Custom template</a:t>
             </a:r>
+            <a:endParaRPr lang="en-US" sz="1800" dirty="0"/>
+          </a:p>
+          <a:p>
             <a:pPr indent="0" marL="0">
               <a:lnSpc>
                 <a:spcPct val="120000"/>
@@ -14931,6 +15163,9 @@
               </a:rPr>
               <a:t>6.  Edit the template with your content</a:t>
             </a:r>
+            <a:endParaRPr lang="en-US" sz="1800" dirty="0"/>
+          </a:p>
+          <a:p>
             <a:pPr indent="0" marL="0">
               <a:lnSpc>
                 <a:spcPct val="120000"/>
@@ -14951,6 +15186,9 @@
               </a:rPr>
               <a:t>7.  Click "Propose changes" then "Commit changes"</a:t>
             </a:r>
+            <a:endParaRPr lang="en-US" sz="1800" dirty="0"/>
+          </a:p>
+          <a:p>
             <a:pPr indent="0" marL="0">
               <a:lnSpc>
                 <a:spcPct val="120000"/>
@@ -14960,6 +15198,9 @@
               </a:spcBef>
               <a:buNone/>
             </a:pPr>
+            <a:endParaRPr lang="en-US" sz="1800" dirty="0"/>
+          </a:p>
+          <a:p>
             <a:pPr indent="0" marL="0">
               <a:lnSpc>
                 <a:spcPct val="120000"/>

--- a/sessions/session-06/slides.pptx
+++ b/sessions/session-06/slides.pptx
@@ -3492,7 +3492,76 @@
                 <a:ea typeface="Arial" pitchFamily="34" charset="-122"/>
                 <a:cs typeface="Arial" pitchFamily="34" charset="-120"/>
               </a:rPr>
-              <a:t>3.  Checklist — ☐ Photos attached  ☐ Parts identified  ☐ Assigned</a:t>
+              <a:t>3.  Checklist:</a:t>
+            </a:r>
+            <a:endParaRPr lang="en-US" sz="1800" dirty="0"/>
+          </a:p>
+          <a:p>
+            <a:pPr indent="0" marL="0">
+              <a:lnSpc>
+                <a:spcPct val="120000"/>
+              </a:lnSpc>
+              <a:spcBef>
+                <a:spcPts val="400"/>
+              </a:spcBef>
+              <a:buNone/>
+            </a:pPr>
+            <a:r>
+              <a:rPr lang="en-US" sz="1300" dirty="0">
+                <a:solidFill>
+                  <a:srgbClr val="2C2C2C"/>
+                </a:solidFill>
+                <a:latin typeface="Arial" pitchFamily="34" charset="0"/>
+                <a:ea typeface="Arial" pitchFamily="34" charset="-122"/>
+                <a:cs typeface="Arial" pitchFamily="34" charset="-120"/>
+              </a:rPr>
+              <a:t>     ☐ Photos attached</a:t>
+            </a:r>
+            <a:endParaRPr lang="en-US" sz="1800" dirty="0"/>
+          </a:p>
+          <a:p>
+            <a:pPr indent="0" marL="0">
+              <a:lnSpc>
+                <a:spcPct val="120000"/>
+              </a:lnSpc>
+              <a:spcBef>
+                <a:spcPts val="400"/>
+              </a:spcBef>
+              <a:buNone/>
+            </a:pPr>
+            <a:r>
+              <a:rPr lang="en-US" sz="1300" dirty="0">
+                <a:solidFill>
+                  <a:srgbClr val="2C2C2C"/>
+                </a:solidFill>
+                <a:latin typeface="Arial" pitchFamily="34" charset="0"/>
+                <a:ea typeface="Arial" pitchFamily="34" charset="-122"/>
+                <a:cs typeface="Arial" pitchFamily="34" charset="-120"/>
+              </a:rPr>
+              <a:t>     ☐ Parts identified</a:t>
+            </a:r>
+            <a:endParaRPr lang="en-US" sz="1800" dirty="0"/>
+          </a:p>
+          <a:p>
+            <a:pPr indent="0" marL="0">
+              <a:lnSpc>
+                <a:spcPct val="120000"/>
+              </a:lnSpc>
+              <a:spcBef>
+                <a:spcPts val="400"/>
+              </a:spcBef>
+              <a:buNone/>
+            </a:pPr>
+            <a:r>
+              <a:rPr lang="en-US" sz="1300" dirty="0">
+                <a:solidFill>
+                  <a:srgbClr val="2C2C2C"/>
+                </a:solidFill>
+                <a:latin typeface="Arial" pitchFamily="34" charset="0"/>
+                <a:ea typeface="Arial" pitchFamily="34" charset="-122"/>
+                <a:cs typeface="Arial" pitchFamily="34" charset="-120"/>
+              </a:rPr>
+              <a:t>     ☐ Assigned</a:t>
             </a:r>
             <a:endParaRPr lang="en-US" sz="1800" dirty="0"/>
           </a:p>
